--- a/Trilhas/[Iniciante em Programação T5 - ONE]/Material/06.HTML5_e_CSS3-parte_4.pptx
+++ b/Trilhas/[Iniciante em Programação T5 - ONE]/Material/06.HTML5_e_CSS3-parte_4.pptx
@@ -116,7 +116,7 @@
   <p:extLst>
     <p:ext uri="{521415D9-36F7-43E2-AB2F-B90AF26B5E84}">
       <p14:sectionLst xmlns:p14="http://schemas.microsoft.com/office/powerpoint/2010/main">
-        <p14:section name="HTML5 e CSS3: parte 2" id="{E75E278A-FF0E-49A4-B170-79828D63BBAD}">
+        <p14:section name="HTML5 e CSS3: parte 4" id="{E75E278A-FF0E-49A4-B170-79828D63BBAD}">
           <p14:sldIdLst>
             <p14:sldId id="256"/>
             <p14:sldId id="307"/>
